--- a/Images/Figures_To_Review/PieCharts_Metabolic/ALL/PieWithOutRictorv2.pptx
+++ b/Images/Figures_To_Review/PieCharts_Metabolic/ALL/PieWithOutRictorv2.pptx
@@ -307,7 +307,7 @@
           <a:p>
             <a:fld id="{E6744CE3-0875-4B69-89C0-6F72D8139561}" type="datetimeFigureOut">
               <a:rPr lang="en-GB" smtClean="0"/>
-              <a:t>14/05/2025</a:t>
+              <a:t>15/05/2025</a:t>
             </a:fld>
             <a:endParaRPr lang="en-GB"/>
           </a:p>
@@ -477,7 +477,7 @@
           <a:p>
             <a:fld id="{E6744CE3-0875-4B69-89C0-6F72D8139561}" type="datetimeFigureOut">
               <a:rPr lang="en-GB" smtClean="0"/>
-              <a:t>14/05/2025</a:t>
+              <a:t>15/05/2025</a:t>
             </a:fld>
             <a:endParaRPr lang="en-GB"/>
           </a:p>
@@ -723,7 +723,7 @@
           <a:p>
             <a:fld id="{E6744CE3-0875-4B69-89C0-6F72D8139561}" type="datetimeFigureOut">
               <a:rPr lang="en-GB" smtClean="0"/>
-              <a:t>14/05/2025</a:t>
+              <a:t>15/05/2025</a:t>
             </a:fld>
             <a:endParaRPr lang="en-GB"/>
           </a:p>
@@ -1011,7 +1011,7 @@
           <a:p>
             <a:fld id="{E6744CE3-0875-4B69-89C0-6F72D8139561}" type="datetimeFigureOut">
               <a:rPr lang="en-GB" smtClean="0"/>
-              <a:t>14/05/2025</a:t>
+              <a:t>15/05/2025</a:t>
             </a:fld>
             <a:endParaRPr lang="en-GB"/>
           </a:p>
@@ -1433,7 +1433,7 @@
           <a:p>
             <a:fld id="{E6744CE3-0875-4B69-89C0-6F72D8139561}" type="datetimeFigureOut">
               <a:rPr lang="en-GB" smtClean="0"/>
-              <a:t>14/05/2025</a:t>
+              <a:t>15/05/2025</a:t>
             </a:fld>
             <a:endParaRPr lang="en-GB"/>
           </a:p>
@@ -1551,7 +1551,7 @@
           <a:p>
             <a:fld id="{E6744CE3-0875-4B69-89C0-6F72D8139561}" type="datetimeFigureOut">
               <a:rPr lang="en-GB" smtClean="0"/>
-              <a:t>14/05/2025</a:t>
+              <a:t>15/05/2025</a:t>
             </a:fld>
             <a:endParaRPr lang="en-GB"/>
           </a:p>
@@ -1646,7 +1646,7 @@
           <a:p>
             <a:fld id="{E6744CE3-0875-4B69-89C0-6F72D8139561}" type="datetimeFigureOut">
               <a:rPr lang="en-GB" smtClean="0"/>
-              <a:t>14/05/2025</a:t>
+              <a:t>15/05/2025</a:t>
             </a:fld>
             <a:endParaRPr lang="en-GB"/>
           </a:p>
@@ -1859,7 +1859,7 @@
           <a:p>
             <a:fld id="{E6744CE3-0875-4B69-89C0-6F72D8139561}" type="datetimeFigureOut">
               <a:rPr lang="en-GB" smtClean="0"/>
-              <a:t>14/05/2025</a:t>
+              <a:t>15/05/2025</a:t>
             </a:fld>
             <a:endParaRPr lang="en-GB"/>
           </a:p>
@@ -3941,7 +3941,7 @@
           </p:nvSpPr>
           <p:spPr>
             <a:xfrm>
-              <a:off x="4252862" y="1202898"/>
+              <a:off x="4593988" y="1252069"/>
               <a:ext cx="2121202" cy="203471"/>
             </a:xfrm>
             <a:prstGeom prst="rect">
@@ -3965,7 +3965,7 @@
                 </a:spcAft>
               </a:pPr>
               <a:r>
-                <a:rPr sz="1707" dirty="0" err="1">
+                <a:rPr sz="1200" dirty="0" err="1">
                   <a:solidFill>
                     <a:srgbClr val="000000">
                       <a:alpha val="100000"/>
@@ -3977,7 +3977,7 @@
                 <a:t>Streptophyta</a:t>
               </a:r>
               <a:r>
-                <a:rPr sz="1707" dirty="0">
+                <a:rPr sz="1200" dirty="0">
                   <a:solidFill>
                     <a:srgbClr val="000000">
                       <a:alpha val="100000"/>
@@ -4032,7 +4032,31 @@
                   <a:latin typeface="Arial"/>
                   <a:cs typeface="Arial"/>
                 </a:rPr>
-                <a:t> 0.824 %</a:t>
+                <a:t> </a:t>
+              </a:r>
+              <a:r>
+                <a:rPr sz="1200" dirty="0">
+                  <a:solidFill>
+                    <a:srgbClr val="000000">
+                      <a:alpha val="100000"/>
+                    </a:srgbClr>
+                  </a:solidFill>
+                  <a:latin typeface="Arial"/>
+                  <a:cs typeface="Arial"/>
+                </a:rPr>
+                <a:t>0.824</a:t>
+              </a:r>
+              <a:r>
+                <a:rPr sz="1707" dirty="0">
+                  <a:solidFill>
+                    <a:srgbClr val="000000">
+                      <a:alpha val="100000"/>
+                    </a:srgbClr>
+                  </a:solidFill>
+                  <a:latin typeface="Arial"/>
+                  <a:cs typeface="Arial"/>
+                </a:rPr>
+                <a:t> %</a:t>
               </a:r>
             </a:p>
           </p:txBody>
@@ -4069,7 +4093,7 @@
                 </a:spcAft>
               </a:pPr>
               <a:r>
-                <a:rPr sz="1707" dirty="0">
+                <a:rPr sz="1200" dirty="0">
                   <a:solidFill>
                     <a:srgbClr val="000000">
                       <a:alpha val="100000"/>
@@ -4091,7 +4115,7 @@
           </p:nvSpPr>
           <p:spPr>
             <a:xfrm>
-              <a:off x="6040142" y="2776135"/>
+              <a:off x="5817562" y="2686854"/>
               <a:ext cx="976386" cy="163560"/>
             </a:xfrm>
             <a:prstGeom prst="rect">
@@ -4115,7 +4139,7 @@
                 </a:spcAft>
               </a:pPr>
               <a:r>
-                <a:rPr sz="1707" dirty="0">
+                <a:rPr sz="1200" dirty="0">
                   <a:solidFill>
                     <a:srgbClr val="000000">
                       <a:alpha val="100000"/>
@@ -4161,6 +4185,18 @@
                 </a:spcAft>
               </a:pPr>
               <a:r>
+                <a:rPr sz="1200" dirty="0">
+                  <a:solidFill>
+                    <a:srgbClr val="000000">
+                      <a:alpha val="100000"/>
+                    </a:srgbClr>
+                  </a:solidFill>
+                  <a:latin typeface="Arial"/>
+                  <a:cs typeface="Arial"/>
+                </a:rPr>
+                <a:t>Mixotroph</a:t>
+              </a:r>
+              <a:r>
                 <a:rPr sz="1707" dirty="0">
                   <a:solidFill>
                     <a:srgbClr val="000000">
@@ -4170,7 +4206,7 @@
                   <a:latin typeface="Arial"/>
                   <a:cs typeface="Arial"/>
                 </a:rPr>
-                <a:t>Mixotroph </a:t>
+                <a:t> </a:t>
               </a:r>
             </a:p>
           </p:txBody>
@@ -4183,7 +4219,7 @@
           </p:nvSpPr>
           <p:spPr>
             <a:xfrm>
-              <a:off x="8305524" y="2778962"/>
+              <a:off x="8194740" y="2787210"/>
               <a:ext cx="855806" cy="163560"/>
             </a:xfrm>
             <a:prstGeom prst="rect">
@@ -4207,7 +4243,7 @@
                 </a:spcAft>
               </a:pPr>
               <a:r>
-                <a:rPr sz="1707" dirty="0">
+                <a:rPr sz="1200" dirty="0">
                   <a:solidFill>
                     <a:srgbClr val="000000">
                       <a:alpha val="100000"/>
@@ -4229,7 +4265,7 @@
           </p:nvSpPr>
           <p:spPr>
             <a:xfrm>
-              <a:off x="8326028" y="3282997"/>
+              <a:off x="8486939" y="3393695"/>
               <a:ext cx="1470136" cy="200824"/>
             </a:xfrm>
             <a:prstGeom prst="rect">
@@ -4253,7 +4289,7 @@
                 </a:spcAft>
               </a:pPr>
               <a:r>
-                <a:rPr sz="1707" dirty="0">
+                <a:rPr sz="1200" dirty="0">
                   <a:solidFill>
                     <a:srgbClr val="000000">
                       <a:alpha val="100000"/>
@@ -4299,7 +4335,7 @@
                 </a:spcAft>
               </a:pPr>
               <a:r>
-                <a:rPr sz="1707" dirty="0">
+                <a:rPr sz="1200" dirty="0">
                   <a:solidFill>
                     <a:srgbClr val="000000">
                       <a:alpha val="100000"/>
@@ -4345,7 +4381,7 @@
                 </a:spcAft>
               </a:pPr>
               <a:r>
-                <a:rPr sz="1707">
+                <a:rPr sz="1200" dirty="0">
                   <a:solidFill>
                     <a:srgbClr val="000000">
                       <a:alpha val="100000"/>
@@ -4354,7 +4390,19 @@
                   <a:latin typeface="Arial"/>
                   <a:cs typeface="Arial"/>
                 </a:rPr>
-                <a:t>Autotrophic </a:t>
+                <a:t>Autotrophic</a:t>
+              </a:r>
+              <a:r>
+                <a:rPr sz="1707" dirty="0">
+                  <a:solidFill>
+                    <a:srgbClr val="000000">
+                      <a:alpha val="100000"/>
+                    </a:srgbClr>
+                  </a:solidFill>
+                  <a:latin typeface="Arial"/>
+                  <a:cs typeface="Arial"/>
+                </a:rPr>
+                <a:t> </a:t>
               </a:r>
             </a:p>
           </p:txBody>
@@ -4367,7 +4415,7 @@
           </p:nvSpPr>
           <p:spPr>
             <a:xfrm>
-              <a:off x="4540928" y="4982893"/>
+              <a:off x="4450626" y="4834246"/>
               <a:ext cx="976386" cy="163560"/>
             </a:xfrm>
             <a:prstGeom prst="rect">
@@ -4391,7 +4439,7 @@
                 </a:spcAft>
               </a:pPr>
               <a:r>
-                <a:rPr sz="1707">
+                <a:rPr sz="1200" dirty="0">
                   <a:solidFill>
                     <a:srgbClr val="000000">
                       <a:alpha val="100000"/>
